--- a/docs/gitflow.pptx
+++ b/docs/gitflow.pptx
@@ -104,6 +104,11 @@
       </a:defRPr>
     </a:lvl9pPr>
   </p:defaultTextStyle>
+  <p:extLst>
+    <p:ext uri="{EFAFB233-063F-42B5-8137-9DF3F51BA10A}">
+      <p15:sldGuideLst xmlns:p15="http://schemas.microsoft.com/office/powerpoint/2012/main"/>
+    </p:ext>
+  </p:extLst>
 </p:presentation>
 </file>
 
@@ -948,7 +953,7 @@
         <a:p>
           <a:r>
             <a:rPr lang="en-US" dirty="0"/>
-            <a:t>/project</a:t>
+            <a:t>/scratch</a:t>
           </a:r>
         </a:p>
       </dgm:t>
@@ -984,7 +989,7 @@
         <a:p>
           <a:r>
             <a:rPr lang="en-US" dirty="0"/>
-            <a:t>/scratch</a:t>
+            <a:t>/project</a:t>
           </a:r>
         </a:p>
       </dgm:t>
@@ -2031,7 +2036,7 @@
           </a:pPr>
           <a:r>
             <a:rPr lang="en-US" sz="6100" kern="1200" dirty="0"/>
-            <a:t>/project</a:t>
+            <a:t>/scratch</a:t>
           </a:r>
         </a:p>
       </dsp:txBody>
@@ -2187,7 +2192,7 @@
           </a:pPr>
           <a:r>
             <a:rPr lang="en-US" sz="6100" kern="1200" dirty="0"/>
-            <a:t>/scratch</a:t>
+            <a:t>/project</a:t>
           </a:r>
         </a:p>
       </dsp:txBody>
@@ -7917,7 +7922,7 @@
           <p:nvPr>
             <p:extLst>
               <p:ext uri="{D42A27DB-BD31-4B8C-83A1-F6EECF244321}">
-                <p14:modId xmlns:p14="http://schemas.microsoft.com/office/powerpoint/2010/main" val="187524462"/>
+                <p14:modId xmlns:p14="http://schemas.microsoft.com/office/powerpoint/2010/main" val="367487852"/>
               </p:ext>
             </p:extLst>
           </p:nvPr>
@@ -8244,7 +8249,7 @@
         </p:nvSpPr>
         <p:spPr>
           <a:xfrm>
-            <a:off x="3503216" y="5112200"/>
+            <a:off x="3591711" y="5093428"/>
             <a:ext cx="664680" cy="369332"/>
           </a:xfrm>
           <a:prstGeom prst="rect">
@@ -8260,8 +8265,86 @@
           <a:p>
             <a:r>
               <a:rPr lang="en-US" dirty="0"/>
-              <a:t>Copy</a:t>
+              <a:t>mv</a:t>
             </a:r>
+          </a:p>
+        </p:txBody>
+      </p:sp>
+      <p:cxnSp>
+        <p:nvCxnSpPr>
+          <p:cNvPr id="2" name="Straight Arrow Connector 1">
+            <a:extLst>
+              <a:ext uri="{FF2B5EF4-FFF2-40B4-BE49-F238E27FC236}">
+                <a16:creationId xmlns:a16="http://schemas.microsoft.com/office/drawing/2014/main" id="{6610392C-CC73-7273-5DD7-827A41A6801F}"/>
+              </a:ext>
+            </a:extLst>
+          </p:cNvPr>
+          <p:cNvCxnSpPr>
+            <a:cxnSpLocks/>
+          </p:cNvCxnSpPr>
+          <p:nvPr/>
+        </p:nvCxnSpPr>
+        <p:spPr>
+          <a:xfrm>
+            <a:off x="6400257" y="2969231"/>
+            <a:ext cx="2024552" cy="0"/>
+          </a:xfrm>
+          <a:prstGeom prst="straightConnector1">
+            <a:avLst/>
+          </a:prstGeom>
+          <a:ln w="76200">
+            <a:headEnd type="triangle"/>
+            <a:tailEnd type="triangle"/>
+          </a:ln>
+        </p:spPr>
+        <p:style>
+          <a:lnRef idx="1">
+            <a:schemeClr val="accent1"/>
+          </a:lnRef>
+          <a:fillRef idx="0">
+            <a:schemeClr val="accent1"/>
+          </a:fillRef>
+          <a:effectRef idx="0">
+            <a:schemeClr val="accent1"/>
+          </a:effectRef>
+          <a:fontRef idx="minor">
+            <a:schemeClr val="tx1"/>
+          </a:fontRef>
+        </p:style>
+      </p:cxnSp>
+      <p:sp>
+        <p:nvSpPr>
+          <p:cNvPr id="5" name="TextBox 4">
+            <a:extLst>
+              <a:ext uri="{FF2B5EF4-FFF2-40B4-BE49-F238E27FC236}">
+                <a16:creationId xmlns:a16="http://schemas.microsoft.com/office/drawing/2014/main" id="{96B722E6-8871-AB04-5844-08C53783D787}"/>
+              </a:ext>
+            </a:extLst>
+          </p:cNvPr>
+          <p:cNvSpPr txBox="1"/>
+          <p:nvPr/>
+        </p:nvSpPr>
+        <p:spPr>
+          <a:xfrm>
+            <a:off x="7184776" y="3031681"/>
+            <a:ext cx="664680" cy="369332"/>
+          </a:xfrm>
+          <a:prstGeom prst="rect">
+            <a:avLst/>
+          </a:prstGeom>
+          <a:noFill/>
+        </p:spPr>
+        <p:txBody>
+          <a:bodyPr wrap="square" rtlCol="0">
+            <a:spAutoFit/>
+          </a:bodyPr>
+          <a:lstStyle/>
+          <a:p>
+            <a:r>
+              <a:rPr lang="en-US" dirty="0" err="1"/>
+              <a:t>scp</a:t>
+            </a:r>
+            <a:endParaRPr lang="en-US" dirty="0"/>
           </a:p>
         </p:txBody>
       </p:sp>
